--- a/biotrain-2019/Lab-Notebook-and-Programming-Help.pptx
+++ b/biotrain-2019/Lab-Notebook-and-Programming-Help.pptx
@@ -3736,7 +3736,13 @@
           <p:nvPr/>
         </p:nvPicPr>
         <p:blipFill>
-          <a:blip r:embed="rId2"/>
+          <a:blip r:embed="rId2" cstate="screen">
+            <a:extLst>
+              <a:ext uri="{28A0092B-C50C-407E-A947-70E740481C1C}">
+                <a14:useLocalDpi xmlns:a14="http://schemas.microsoft.com/office/drawing/2010/main"/>
+              </a:ext>
+            </a:extLst>
+          </a:blip>
           <a:stretch>
             <a:fillRect/>
           </a:stretch>
@@ -3853,7 +3859,13 @@
           <p:nvPr/>
         </p:nvPicPr>
         <p:blipFill>
-          <a:blip r:embed="rId2"/>
+          <a:blip r:embed="rId2" cstate="screen">
+            <a:extLst>
+              <a:ext uri="{28A0092B-C50C-407E-A947-70E740481C1C}">
+                <a14:useLocalDpi xmlns:a14="http://schemas.microsoft.com/office/drawing/2010/main"/>
+              </a:ext>
+            </a:extLst>
+          </a:blip>
           <a:stretch>
             <a:fillRect/>
           </a:stretch>
@@ -4126,7 +4138,13 @@
           <p:nvPr/>
         </p:nvPicPr>
         <p:blipFill>
-          <a:blip r:embed="rId2"/>
+          <a:blip r:embed="rId2" cstate="screen">
+            <a:extLst>
+              <a:ext uri="{28A0092B-C50C-407E-A947-70E740481C1C}">
+                <a14:useLocalDpi xmlns:a14="http://schemas.microsoft.com/office/drawing/2010/main"/>
+              </a:ext>
+            </a:extLst>
+          </a:blip>
           <a:stretch>
             <a:fillRect/>
           </a:stretch>
@@ -4858,7 +4876,13 @@
           <p:nvPr/>
         </p:nvPicPr>
         <p:blipFill>
-          <a:blip r:embed="rId2"/>
+          <a:blip r:embed="rId2" cstate="screen">
+            <a:extLst>
+              <a:ext uri="{28A0092B-C50C-407E-A947-70E740481C1C}">
+                <a14:useLocalDpi xmlns:a14="http://schemas.microsoft.com/office/drawing/2010/main"/>
+              </a:ext>
+            </a:extLst>
+          </a:blip>
           <a:stretch>
             <a:fillRect/>
           </a:stretch>
@@ -5899,7 +5923,7 @@
           <a:blip r:embed="rId2">
             <a:extLst>
               <a:ext uri="{28A0092B-C50C-407E-A947-70E740481C1C}">
-                <a14:useLocalDpi xmlns:a14="http://schemas.microsoft.com/office/drawing/2010/main" val="0"/>
+                <a14:useLocalDpi xmlns:a14="http://schemas.microsoft.com/office/drawing/2010/main"/>
               </a:ext>
             </a:extLst>
           </a:blip>
@@ -7201,7 +7225,13 @@
           <p:nvPr/>
         </p:nvPicPr>
         <p:blipFill>
-          <a:blip r:embed="rId2"/>
+          <a:blip r:embed="rId2" cstate="screen">
+            <a:extLst>
+              <a:ext uri="{28A0092B-C50C-407E-A947-70E740481C1C}">
+                <a14:useLocalDpi xmlns:a14="http://schemas.microsoft.com/office/drawing/2010/main"/>
+              </a:ext>
+            </a:extLst>
+          </a:blip>
           <a:stretch>
             <a:fillRect/>
           </a:stretch>

--- a/biotrain-2019/Lab-Notebook-and-Programming-Help.pptx
+++ b/biotrain-2019/Lab-Notebook-and-Programming-Help.pptx
@@ -16,8 +16,8 @@
     <p:sldId id="625" r:id="rId7"/>
     <p:sldId id="626" r:id="rId8"/>
     <p:sldId id="630" r:id="rId9"/>
-    <p:sldId id="627" r:id="rId10"/>
-    <p:sldId id="631" r:id="rId11"/>
+    <p:sldId id="631" r:id="rId10"/>
+    <p:sldId id="627" r:id="rId11"/>
     <p:sldId id="628" r:id="rId12"/>
     <p:sldId id="629" r:id="rId13"/>
     <p:sldId id="636" r:id="rId14"/>
@@ -230,7 +230,7 @@
           <a:p>
             <a:fld id="{85EC26B4-5EFE-4A48-A742-8B1A2420BA72}" type="datetimeFigureOut">
               <a:rPr lang="en-US" smtClean="0"/>
-              <a:t>5/29/19</a:t>
+              <a:t>5/30/19</a:t>
             </a:fld>
             <a:endParaRPr lang="en-US"/>
           </a:p>
@@ -3664,7 +3664,7 @@
           <p:cNvPr id="2" name="Title 1">
             <a:extLst>
               <a:ext uri="{FF2B5EF4-FFF2-40B4-BE49-F238E27FC236}">
-                <a16:creationId xmlns:a16="http://schemas.microsoft.com/office/drawing/2014/main" id="{D020A906-841A-AC43-97B0-4E566A5910C4}"/>
+                <a16:creationId xmlns:a16="http://schemas.microsoft.com/office/drawing/2014/main" id="{255B8D6F-B913-014D-9F93-C98D0B718C40}"/>
               </a:ext>
             </a:extLst>
           </p:cNvPr>
@@ -3682,13 +3682,123 @@
           <a:p>
             <a:r>
               <a:rPr lang="en-US" dirty="0"/>
-              <a:t>Example from Brittany </a:t>
-            </a:r>
-            <a:r>
-              <a:rPr lang="en-US" dirty="0" err="1"/>
-              <a:t>Lasseigne</a:t>
-            </a:r>
-            <a:endParaRPr lang="en-US" dirty="0"/>
+              <a:t>Bonus Rules from James</a:t>
+            </a:r>
+          </a:p>
+        </p:txBody>
+      </p:sp>
+      <p:sp>
+        <p:nvSpPr>
+          <p:cNvPr id="3" name="Content Placeholder 2">
+            <a:extLst>
+              <a:ext uri="{FF2B5EF4-FFF2-40B4-BE49-F238E27FC236}">
+                <a16:creationId xmlns:a16="http://schemas.microsoft.com/office/drawing/2014/main" id="{01D9E5E5-D466-B04B-94CE-6853DEBF0E2C}"/>
+              </a:ext>
+            </a:extLst>
+          </p:cNvPr>
+          <p:cNvSpPr>
+            <a:spLocks noGrp="1"/>
+          </p:cNvSpPr>
+          <p:nvPr>
+            <p:ph idx="1"/>
+          </p:nvPr>
+        </p:nvSpPr>
+        <p:spPr/>
+        <p:txBody>
+          <a:bodyPr>
+            <a:normAutofit fontScale="92500" lnSpcReduction="10000"/>
+          </a:bodyPr>
+          <a:lstStyle/>
+          <a:p>
+            <a:r>
+              <a:rPr lang="en-US" dirty="0"/>
+              <a:t>You will never, ever regret putting a date on something</a:t>
+            </a:r>
+          </a:p>
+          <a:p>
+            <a:r>
+              <a:rPr lang="en-US" dirty="0"/>
+              <a:t>A good structure:</a:t>
+            </a:r>
+          </a:p>
+          <a:p>
+            <a:pPr lvl="1"/>
+            <a:r>
+              <a:rPr lang="en-US" dirty="0"/>
+              <a:t>Subject / Date / Project Info</a:t>
+            </a:r>
+          </a:p>
+          <a:p>
+            <a:pPr lvl="1"/>
+            <a:r>
+              <a:rPr lang="en-US" dirty="0"/>
+              <a:t>Your plan for the analysis or code</a:t>
+            </a:r>
+          </a:p>
+          <a:p>
+            <a:pPr lvl="1"/>
+            <a:r>
+              <a:rPr lang="en-US" dirty="0"/>
+              <a:t>How you implemented it</a:t>
+            </a:r>
+          </a:p>
+          <a:p>
+            <a:pPr lvl="1"/>
+            <a:r>
+              <a:rPr lang="en-US" dirty="0"/>
+              <a:t>The results</a:t>
+            </a:r>
+          </a:p>
+          <a:p>
+            <a:pPr lvl="1"/>
+            <a:r>
+              <a:rPr lang="en-US" dirty="0"/>
+              <a:t>Repeat as necessary</a:t>
+            </a:r>
+          </a:p>
+          <a:p>
+            <a:r>
+              <a:rPr lang="en-US" dirty="0"/>
+              <a:t>Helpful to make a “wrap-up” or “summary” version of your notes that is the cohesive version you could give to someone </a:t>
+            </a:r>
+          </a:p>
+          <a:p>
+            <a:r>
+              <a:rPr lang="en-US" dirty="0"/>
+              <a:t>“If I’ve done it </a:t>
+            </a:r>
+            <a:r>
+              <a:rPr lang="en-US" b="1" dirty="0"/>
+              <a:t>once</a:t>
+            </a:r>
+            <a:r>
+              <a:rPr lang="en-US" dirty="0"/>
+              <a:t> I will do it </a:t>
+            </a:r>
+            <a:r>
+              <a:rPr lang="en-US" b="1" dirty="0"/>
+              <a:t>again</a:t>
+            </a:r>
+            <a:r>
+              <a:rPr lang="en-US" dirty="0"/>
+              <a:t>. If I’ve done it </a:t>
+            </a:r>
+            <a:r>
+              <a:rPr lang="en-US" b="1" dirty="0"/>
+              <a:t>3 times </a:t>
+            </a:r>
+            <a:r>
+              <a:rPr lang="en-US" dirty="0"/>
+              <a:t>I will do it </a:t>
+            </a:r>
+            <a:r>
+              <a:rPr lang="en-US" b="1" dirty="0"/>
+              <a:t>100 times</a:t>
+            </a:r>
+            <a:r>
+              <a:rPr lang="en-US" dirty="0"/>
+              <a:t>.”</a:t>
+            </a:r>
           </a:p>
         </p:txBody>
       </p:sp>
@@ -3697,7 +3807,7 @@
           <p:cNvPr id="4" name="Slide Number Placeholder 3">
             <a:extLst>
               <a:ext uri="{FF2B5EF4-FFF2-40B4-BE49-F238E27FC236}">
-                <a16:creationId xmlns:a16="http://schemas.microsoft.com/office/drawing/2014/main" id="{21C5552E-78B1-BE4F-A8E7-76E241E8CF59}"/>
+                <a16:creationId xmlns:a16="http://schemas.microsoft.com/office/drawing/2014/main" id="{3DD4BC77-8FEF-EA40-85C8-173AE3E53BDC}"/>
               </a:ext>
             </a:extLst>
           </p:cNvPr>
@@ -3721,46 +3831,10 @@
           </a:p>
         </p:txBody>
       </p:sp>
-      <p:pic>
-        <p:nvPicPr>
-          <p:cNvPr id="5" name="Picture 4">
-            <a:extLst>
-              <a:ext uri="{FF2B5EF4-FFF2-40B4-BE49-F238E27FC236}">
-                <a16:creationId xmlns:a16="http://schemas.microsoft.com/office/drawing/2014/main" id="{BD2D033B-F757-6D46-B166-4F12D03BF67A}"/>
-              </a:ext>
-            </a:extLst>
-          </p:cNvPr>
-          <p:cNvPicPr>
-            <a:picLocks noChangeAspect="1"/>
-          </p:cNvPicPr>
-          <p:nvPr/>
-        </p:nvPicPr>
-        <p:blipFill>
-          <a:blip r:embed="rId2" cstate="screen">
-            <a:extLst>
-              <a:ext uri="{28A0092B-C50C-407E-A947-70E740481C1C}">
-                <a14:useLocalDpi xmlns:a14="http://schemas.microsoft.com/office/drawing/2010/main"/>
-              </a:ext>
-            </a:extLst>
-          </a:blip>
-          <a:stretch>
-            <a:fillRect/>
-          </a:stretch>
-        </p:blipFill>
-        <p:spPr>
-          <a:xfrm>
-            <a:off x="2866166" y="601239"/>
-            <a:ext cx="8336213" cy="6256761"/>
-          </a:xfrm>
-          <a:prstGeom prst="rect">
-            <a:avLst/>
-          </a:prstGeom>
-        </p:spPr>
-      </p:pic>
     </p:spTree>
     <p:extLst>
       <p:ext uri="{BB962C8B-B14F-4D97-AF65-F5344CB8AC3E}">
-        <p14:creationId xmlns:p14="http://schemas.microsoft.com/office/powerpoint/2010/main" val="1267298037"/>
+        <p14:creationId xmlns:p14="http://schemas.microsoft.com/office/powerpoint/2010/main" val="1054588250"/>
       </p:ext>
     </p:extLst>
   </p:cSld>
@@ -4432,6 +4506,477 @@
   <p:clrMapOvr>
     <a:masterClrMapping/>
   </p:clrMapOvr>
+  <p:timing>
+    <p:tnLst>
+      <p:par>
+        <p:cTn id="1" dur="indefinite" restart="never" nodeType="tmRoot">
+          <p:childTnLst>
+            <p:seq concurrent="1" nextAc="seek">
+              <p:cTn id="2" dur="indefinite" nodeType="mainSeq">
+                <p:childTnLst>
+                  <p:par>
+                    <p:cTn id="3" fill="hold">
+                      <p:stCondLst>
+                        <p:cond delay="indefinite"/>
+                      </p:stCondLst>
+                      <p:childTnLst>
+                        <p:par>
+                          <p:cTn id="4" fill="hold">
+                            <p:stCondLst>
+                              <p:cond delay="0"/>
+                            </p:stCondLst>
+                            <p:childTnLst>
+                              <p:par>
+                                <p:cTn id="5" presetID="1" presetClass="entr" presetSubtype="0" fill="hold" nodeType="clickEffect">
+                                  <p:stCondLst>
+                                    <p:cond delay="0"/>
+                                  </p:stCondLst>
+                                  <p:childTnLst>
+                                    <p:set>
+                                      <p:cBhvr>
+                                        <p:cTn id="6" dur="1" fill="hold">
+                                          <p:stCondLst>
+                                            <p:cond delay="0"/>
+                                          </p:stCondLst>
+                                        </p:cTn>
+                                        <p:tgtEl>
+                                          <p:spTgt spid="3">
+                                            <p:txEl>
+                                              <p:pRg st="0" end="0"/>
+                                            </p:txEl>
+                                          </p:spTgt>
+                                        </p:tgtEl>
+                                        <p:attrNameLst>
+                                          <p:attrName>style.visibility</p:attrName>
+                                        </p:attrNameLst>
+                                      </p:cBhvr>
+                                      <p:to>
+                                        <p:strVal val="visible"/>
+                                      </p:to>
+                                    </p:set>
+                                  </p:childTnLst>
+                                </p:cTn>
+                              </p:par>
+                            </p:childTnLst>
+                          </p:cTn>
+                        </p:par>
+                      </p:childTnLst>
+                    </p:cTn>
+                  </p:par>
+                  <p:par>
+                    <p:cTn id="7" fill="hold">
+                      <p:stCondLst>
+                        <p:cond delay="indefinite"/>
+                      </p:stCondLst>
+                      <p:childTnLst>
+                        <p:par>
+                          <p:cTn id="8" fill="hold">
+                            <p:stCondLst>
+                              <p:cond delay="0"/>
+                            </p:stCondLst>
+                            <p:childTnLst>
+                              <p:par>
+                                <p:cTn id="9" presetID="1" presetClass="entr" presetSubtype="0" fill="hold" nodeType="clickEffect">
+                                  <p:stCondLst>
+                                    <p:cond delay="0"/>
+                                  </p:stCondLst>
+                                  <p:childTnLst>
+                                    <p:set>
+                                      <p:cBhvr>
+                                        <p:cTn id="10" dur="1" fill="hold">
+                                          <p:stCondLst>
+                                            <p:cond delay="0"/>
+                                          </p:stCondLst>
+                                        </p:cTn>
+                                        <p:tgtEl>
+                                          <p:spTgt spid="3">
+                                            <p:txEl>
+                                              <p:pRg st="1" end="1"/>
+                                            </p:txEl>
+                                          </p:spTgt>
+                                        </p:tgtEl>
+                                        <p:attrNameLst>
+                                          <p:attrName>style.visibility</p:attrName>
+                                        </p:attrNameLst>
+                                      </p:cBhvr>
+                                      <p:to>
+                                        <p:strVal val="visible"/>
+                                      </p:to>
+                                    </p:set>
+                                  </p:childTnLst>
+                                </p:cTn>
+                              </p:par>
+                            </p:childTnLst>
+                          </p:cTn>
+                        </p:par>
+                      </p:childTnLst>
+                    </p:cTn>
+                  </p:par>
+                  <p:par>
+                    <p:cTn id="11" fill="hold">
+                      <p:stCondLst>
+                        <p:cond delay="indefinite"/>
+                      </p:stCondLst>
+                      <p:childTnLst>
+                        <p:par>
+                          <p:cTn id="12" fill="hold">
+                            <p:stCondLst>
+                              <p:cond delay="0"/>
+                            </p:stCondLst>
+                            <p:childTnLst>
+                              <p:par>
+                                <p:cTn id="13" presetID="1" presetClass="entr" presetSubtype="0" fill="hold" nodeType="clickEffect">
+                                  <p:stCondLst>
+                                    <p:cond delay="0"/>
+                                  </p:stCondLst>
+                                  <p:childTnLst>
+                                    <p:set>
+                                      <p:cBhvr>
+                                        <p:cTn id="14" dur="1" fill="hold">
+                                          <p:stCondLst>
+                                            <p:cond delay="0"/>
+                                          </p:stCondLst>
+                                        </p:cTn>
+                                        <p:tgtEl>
+                                          <p:spTgt spid="3">
+                                            <p:txEl>
+                                              <p:pRg st="2" end="2"/>
+                                            </p:txEl>
+                                          </p:spTgt>
+                                        </p:tgtEl>
+                                        <p:attrNameLst>
+                                          <p:attrName>style.visibility</p:attrName>
+                                        </p:attrNameLst>
+                                      </p:cBhvr>
+                                      <p:to>
+                                        <p:strVal val="visible"/>
+                                      </p:to>
+                                    </p:set>
+                                  </p:childTnLst>
+                                </p:cTn>
+                              </p:par>
+                            </p:childTnLst>
+                          </p:cTn>
+                        </p:par>
+                      </p:childTnLst>
+                    </p:cTn>
+                  </p:par>
+                  <p:par>
+                    <p:cTn id="15" fill="hold">
+                      <p:stCondLst>
+                        <p:cond delay="indefinite"/>
+                      </p:stCondLst>
+                      <p:childTnLst>
+                        <p:par>
+                          <p:cTn id="16" fill="hold">
+                            <p:stCondLst>
+                              <p:cond delay="0"/>
+                            </p:stCondLst>
+                            <p:childTnLst>
+                              <p:par>
+                                <p:cTn id="17" presetID="1" presetClass="entr" presetSubtype="0" fill="hold" nodeType="clickEffect">
+                                  <p:stCondLst>
+                                    <p:cond delay="0"/>
+                                  </p:stCondLst>
+                                  <p:childTnLst>
+                                    <p:set>
+                                      <p:cBhvr>
+                                        <p:cTn id="18" dur="1" fill="hold">
+                                          <p:stCondLst>
+                                            <p:cond delay="0"/>
+                                          </p:stCondLst>
+                                        </p:cTn>
+                                        <p:tgtEl>
+                                          <p:spTgt spid="3">
+                                            <p:txEl>
+                                              <p:pRg st="3" end="3"/>
+                                            </p:txEl>
+                                          </p:spTgt>
+                                        </p:tgtEl>
+                                        <p:attrNameLst>
+                                          <p:attrName>style.visibility</p:attrName>
+                                        </p:attrNameLst>
+                                      </p:cBhvr>
+                                      <p:to>
+                                        <p:strVal val="visible"/>
+                                      </p:to>
+                                    </p:set>
+                                  </p:childTnLst>
+                                </p:cTn>
+                              </p:par>
+                            </p:childTnLst>
+                          </p:cTn>
+                        </p:par>
+                      </p:childTnLst>
+                    </p:cTn>
+                  </p:par>
+                  <p:par>
+                    <p:cTn id="19" fill="hold">
+                      <p:stCondLst>
+                        <p:cond delay="indefinite"/>
+                      </p:stCondLst>
+                      <p:childTnLst>
+                        <p:par>
+                          <p:cTn id="20" fill="hold">
+                            <p:stCondLst>
+                              <p:cond delay="0"/>
+                            </p:stCondLst>
+                            <p:childTnLst>
+                              <p:par>
+                                <p:cTn id="21" presetID="1" presetClass="entr" presetSubtype="0" fill="hold" nodeType="clickEffect">
+                                  <p:stCondLst>
+                                    <p:cond delay="0"/>
+                                  </p:stCondLst>
+                                  <p:childTnLst>
+                                    <p:set>
+                                      <p:cBhvr>
+                                        <p:cTn id="22" dur="1" fill="hold">
+                                          <p:stCondLst>
+                                            <p:cond delay="0"/>
+                                          </p:stCondLst>
+                                        </p:cTn>
+                                        <p:tgtEl>
+                                          <p:spTgt spid="3">
+                                            <p:txEl>
+                                              <p:pRg st="4" end="4"/>
+                                            </p:txEl>
+                                          </p:spTgt>
+                                        </p:tgtEl>
+                                        <p:attrNameLst>
+                                          <p:attrName>style.visibility</p:attrName>
+                                        </p:attrNameLst>
+                                      </p:cBhvr>
+                                      <p:to>
+                                        <p:strVal val="visible"/>
+                                      </p:to>
+                                    </p:set>
+                                  </p:childTnLst>
+                                </p:cTn>
+                              </p:par>
+                            </p:childTnLst>
+                          </p:cTn>
+                        </p:par>
+                      </p:childTnLst>
+                    </p:cTn>
+                  </p:par>
+                  <p:par>
+                    <p:cTn id="23" fill="hold">
+                      <p:stCondLst>
+                        <p:cond delay="indefinite"/>
+                      </p:stCondLst>
+                      <p:childTnLst>
+                        <p:par>
+                          <p:cTn id="24" fill="hold">
+                            <p:stCondLst>
+                              <p:cond delay="0"/>
+                            </p:stCondLst>
+                            <p:childTnLst>
+                              <p:par>
+                                <p:cTn id="25" presetID="1" presetClass="entr" presetSubtype="0" fill="hold" nodeType="clickEffect">
+                                  <p:stCondLst>
+                                    <p:cond delay="0"/>
+                                  </p:stCondLst>
+                                  <p:childTnLst>
+                                    <p:set>
+                                      <p:cBhvr>
+                                        <p:cTn id="26" dur="1" fill="hold">
+                                          <p:stCondLst>
+                                            <p:cond delay="0"/>
+                                          </p:stCondLst>
+                                        </p:cTn>
+                                        <p:tgtEl>
+                                          <p:spTgt spid="3">
+                                            <p:txEl>
+                                              <p:pRg st="5" end="5"/>
+                                            </p:txEl>
+                                          </p:spTgt>
+                                        </p:tgtEl>
+                                        <p:attrNameLst>
+                                          <p:attrName>style.visibility</p:attrName>
+                                        </p:attrNameLst>
+                                      </p:cBhvr>
+                                      <p:to>
+                                        <p:strVal val="visible"/>
+                                      </p:to>
+                                    </p:set>
+                                  </p:childTnLst>
+                                </p:cTn>
+                              </p:par>
+                            </p:childTnLst>
+                          </p:cTn>
+                        </p:par>
+                      </p:childTnLst>
+                    </p:cTn>
+                  </p:par>
+                  <p:par>
+                    <p:cTn id="27" fill="hold">
+                      <p:stCondLst>
+                        <p:cond delay="indefinite"/>
+                      </p:stCondLst>
+                      <p:childTnLst>
+                        <p:par>
+                          <p:cTn id="28" fill="hold">
+                            <p:stCondLst>
+                              <p:cond delay="0"/>
+                            </p:stCondLst>
+                            <p:childTnLst>
+                              <p:par>
+                                <p:cTn id="29" presetID="1" presetClass="entr" presetSubtype="0" fill="hold" nodeType="clickEffect">
+                                  <p:stCondLst>
+                                    <p:cond delay="0"/>
+                                  </p:stCondLst>
+                                  <p:childTnLst>
+                                    <p:set>
+                                      <p:cBhvr>
+                                        <p:cTn id="30" dur="1" fill="hold">
+                                          <p:stCondLst>
+                                            <p:cond delay="0"/>
+                                          </p:stCondLst>
+                                        </p:cTn>
+                                        <p:tgtEl>
+                                          <p:spTgt spid="3">
+                                            <p:txEl>
+                                              <p:pRg st="6" end="6"/>
+                                            </p:txEl>
+                                          </p:spTgt>
+                                        </p:tgtEl>
+                                        <p:attrNameLst>
+                                          <p:attrName>style.visibility</p:attrName>
+                                        </p:attrNameLst>
+                                      </p:cBhvr>
+                                      <p:to>
+                                        <p:strVal val="visible"/>
+                                      </p:to>
+                                    </p:set>
+                                  </p:childTnLst>
+                                </p:cTn>
+                              </p:par>
+                            </p:childTnLst>
+                          </p:cTn>
+                        </p:par>
+                      </p:childTnLst>
+                    </p:cTn>
+                  </p:par>
+                  <p:par>
+                    <p:cTn id="31" fill="hold">
+                      <p:stCondLst>
+                        <p:cond delay="indefinite"/>
+                      </p:stCondLst>
+                      <p:childTnLst>
+                        <p:par>
+                          <p:cTn id="32" fill="hold">
+                            <p:stCondLst>
+                              <p:cond delay="0"/>
+                            </p:stCondLst>
+                            <p:childTnLst>
+                              <p:par>
+                                <p:cTn id="33" presetID="1" presetClass="entr" presetSubtype="0" fill="hold" nodeType="clickEffect">
+                                  <p:stCondLst>
+                                    <p:cond delay="0"/>
+                                  </p:stCondLst>
+                                  <p:childTnLst>
+                                    <p:set>
+                                      <p:cBhvr>
+                                        <p:cTn id="34" dur="1" fill="hold">
+                                          <p:stCondLst>
+                                            <p:cond delay="0"/>
+                                          </p:stCondLst>
+                                        </p:cTn>
+                                        <p:tgtEl>
+                                          <p:spTgt spid="3">
+                                            <p:txEl>
+                                              <p:pRg st="7" end="7"/>
+                                            </p:txEl>
+                                          </p:spTgt>
+                                        </p:tgtEl>
+                                        <p:attrNameLst>
+                                          <p:attrName>style.visibility</p:attrName>
+                                        </p:attrNameLst>
+                                      </p:cBhvr>
+                                      <p:to>
+                                        <p:strVal val="visible"/>
+                                      </p:to>
+                                    </p:set>
+                                  </p:childTnLst>
+                                </p:cTn>
+                              </p:par>
+                            </p:childTnLst>
+                          </p:cTn>
+                        </p:par>
+                      </p:childTnLst>
+                    </p:cTn>
+                  </p:par>
+                  <p:par>
+                    <p:cTn id="35" fill="hold">
+                      <p:stCondLst>
+                        <p:cond delay="indefinite"/>
+                      </p:stCondLst>
+                      <p:childTnLst>
+                        <p:par>
+                          <p:cTn id="36" fill="hold">
+                            <p:stCondLst>
+                              <p:cond delay="0"/>
+                            </p:stCondLst>
+                            <p:childTnLst>
+                              <p:par>
+                                <p:cTn id="37" presetID="1" presetClass="entr" presetSubtype="0" fill="hold" nodeType="clickEffect">
+                                  <p:stCondLst>
+                                    <p:cond delay="0"/>
+                                  </p:stCondLst>
+                                  <p:childTnLst>
+                                    <p:set>
+                                      <p:cBhvr>
+                                        <p:cTn id="38" dur="1" fill="hold">
+                                          <p:stCondLst>
+                                            <p:cond delay="0"/>
+                                          </p:stCondLst>
+                                        </p:cTn>
+                                        <p:tgtEl>
+                                          <p:spTgt spid="3">
+                                            <p:txEl>
+                                              <p:pRg st="8" end="8"/>
+                                            </p:txEl>
+                                          </p:spTgt>
+                                        </p:tgtEl>
+                                        <p:attrNameLst>
+                                          <p:attrName>style.visibility</p:attrName>
+                                        </p:attrNameLst>
+                                      </p:cBhvr>
+                                      <p:to>
+                                        <p:strVal val="visible"/>
+                                      </p:to>
+                                    </p:set>
+                                  </p:childTnLst>
+                                </p:cTn>
+                              </p:par>
+                            </p:childTnLst>
+                          </p:cTn>
+                        </p:par>
+                      </p:childTnLst>
+                    </p:cTn>
+                  </p:par>
+                </p:childTnLst>
+              </p:cTn>
+              <p:prevCondLst>
+                <p:cond evt="onPrev" delay="0">
+                  <p:tgtEl>
+                    <p:sldTgt/>
+                  </p:tgtEl>
+                </p:cond>
+              </p:prevCondLst>
+              <p:nextCondLst>
+                <p:cond evt="onNext" delay="0">
+                  <p:tgtEl>
+                    <p:sldTgt/>
+                  </p:tgtEl>
+                </p:cond>
+              </p:nextCondLst>
+            </p:seq>
+          </p:childTnLst>
+        </p:cTn>
+      </p:par>
+    </p:tnLst>
+  </p:timing>
 </p:sld>
 </file>
 
@@ -4662,6 +5207,382 @@
   <p:clrMapOvr>
     <a:masterClrMapping/>
   </p:clrMapOvr>
+  <p:timing>
+    <p:tnLst>
+      <p:par>
+        <p:cTn id="1" dur="indefinite" restart="never" nodeType="tmRoot">
+          <p:childTnLst>
+            <p:seq concurrent="1" nextAc="seek">
+              <p:cTn id="2" dur="indefinite" nodeType="mainSeq">
+                <p:childTnLst>
+                  <p:par>
+                    <p:cTn id="3" fill="hold">
+                      <p:stCondLst>
+                        <p:cond delay="indefinite"/>
+                      </p:stCondLst>
+                      <p:childTnLst>
+                        <p:par>
+                          <p:cTn id="4" fill="hold">
+                            <p:stCondLst>
+                              <p:cond delay="0"/>
+                            </p:stCondLst>
+                            <p:childTnLst>
+                              <p:par>
+                                <p:cTn id="5" presetID="1" presetClass="entr" presetSubtype="0" fill="hold" nodeType="clickEffect">
+                                  <p:stCondLst>
+                                    <p:cond delay="0"/>
+                                  </p:stCondLst>
+                                  <p:childTnLst>
+                                    <p:set>
+                                      <p:cBhvr>
+                                        <p:cTn id="6" dur="1" fill="hold">
+                                          <p:stCondLst>
+                                            <p:cond delay="0"/>
+                                          </p:stCondLst>
+                                        </p:cTn>
+                                        <p:tgtEl>
+                                          <p:spTgt spid="3">
+                                            <p:txEl>
+                                              <p:pRg st="1" end="1"/>
+                                            </p:txEl>
+                                          </p:spTgt>
+                                        </p:tgtEl>
+                                        <p:attrNameLst>
+                                          <p:attrName>style.visibility</p:attrName>
+                                        </p:attrNameLst>
+                                      </p:cBhvr>
+                                      <p:to>
+                                        <p:strVal val="visible"/>
+                                      </p:to>
+                                    </p:set>
+                                  </p:childTnLst>
+                                </p:cTn>
+                              </p:par>
+                              <p:par>
+                                <p:cTn id="7" presetID="1" presetClass="entr" presetSubtype="0" fill="hold" nodeType="withEffect">
+                                  <p:stCondLst>
+                                    <p:cond delay="0"/>
+                                  </p:stCondLst>
+                                  <p:childTnLst>
+                                    <p:set>
+                                      <p:cBhvr>
+                                        <p:cTn id="8" dur="1" fill="hold">
+                                          <p:stCondLst>
+                                            <p:cond delay="0"/>
+                                          </p:stCondLst>
+                                        </p:cTn>
+                                        <p:tgtEl>
+                                          <p:spTgt spid="3">
+                                            <p:txEl>
+                                              <p:pRg st="2" end="2"/>
+                                            </p:txEl>
+                                          </p:spTgt>
+                                        </p:tgtEl>
+                                        <p:attrNameLst>
+                                          <p:attrName>style.visibility</p:attrName>
+                                        </p:attrNameLst>
+                                      </p:cBhvr>
+                                      <p:to>
+                                        <p:strVal val="visible"/>
+                                      </p:to>
+                                    </p:set>
+                                  </p:childTnLst>
+                                </p:cTn>
+                              </p:par>
+                            </p:childTnLst>
+                          </p:cTn>
+                        </p:par>
+                      </p:childTnLst>
+                    </p:cTn>
+                  </p:par>
+                  <p:par>
+                    <p:cTn id="9" fill="hold">
+                      <p:stCondLst>
+                        <p:cond delay="indefinite"/>
+                      </p:stCondLst>
+                      <p:childTnLst>
+                        <p:par>
+                          <p:cTn id="10" fill="hold">
+                            <p:stCondLst>
+                              <p:cond delay="0"/>
+                            </p:stCondLst>
+                            <p:childTnLst>
+                              <p:par>
+                                <p:cTn id="11" presetID="1" presetClass="entr" presetSubtype="0" fill="hold" nodeType="clickEffect">
+                                  <p:stCondLst>
+                                    <p:cond delay="0"/>
+                                  </p:stCondLst>
+                                  <p:childTnLst>
+                                    <p:set>
+                                      <p:cBhvr>
+                                        <p:cTn id="12" dur="1" fill="hold">
+                                          <p:stCondLst>
+                                            <p:cond delay="0"/>
+                                          </p:stCondLst>
+                                        </p:cTn>
+                                        <p:tgtEl>
+                                          <p:spTgt spid="3">
+                                            <p:txEl>
+                                              <p:pRg st="3" end="3"/>
+                                            </p:txEl>
+                                          </p:spTgt>
+                                        </p:tgtEl>
+                                        <p:attrNameLst>
+                                          <p:attrName>style.visibility</p:attrName>
+                                        </p:attrNameLst>
+                                      </p:cBhvr>
+                                      <p:to>
+                                        <p:strVal val="visible"/>
+                                      </p:to>
+                                    </p:set>
+                                  </p:childTnLst>
+                                </p:cTn>
+                              </p:par>
+                              <p:par>
+                                <p:cTn id="13" presetID="1" presetClass="entr" presetSubtype="0" fill="hold" nodeType="withEffect">
+                                  <p:stCondLst>
+                                    <p:cond delay="0"/>
+                                  </p:stCondLst>
+                                  <p:childTnLst>
+                                    <p:set>
+                                      <p:cBhvr>
+                                        <p:cTn id="14" dur="1" fill="hold">
+                                          <p:stCondLst>
+                                            <p:cond delay="0"/>
+                                          </p:stCondLst>
+                                        </p:cTn>
+                                        <p:tgtEl>
+                                          <p:spTgt spid="3">
+                                            <p:txEl>
+                                              <p:pRg st="4" end="4"/>
+                                            </p:txEl>
+                                          </p:spTgt>
+                                        </p:tgtEl>
+                                        <p:attrNameLst>
+                                          <p:attrName>style.visibility</p:attrName>
+                                        </p:attrNameLst>
+                                      </p:cBhvr>
+                                      <p:to>
+                                        <p:strVal val="visible"/>
+                                      </p:to>
+                                    </p:set>
+                                  </p:childTnLst>
+                                </p:cTn>
+                              </p:par>
+                              <p:par>
+                                <p:cTn id="15" presetID="1" presetClass="entr" presetSubtype="0" fill="hold" nodeType="withEffect">
+                                  <p:stCondLst>
+                                    <p:cond delay="0"/>
+                                  </p:stCondLst>
+                                  <p:childTnLst>
+                                    <p:set>
+                                      <p:cBhvr>
+                                        <p:cTn id="16" dur="1" fill="hold">
+                                          <p:stCondLst>
+                                            <p:cond delay="0"/>
+                                          </p:stCondLst>
+                                        </p:cTn>
+                                        <p:tgtEl>
+                                          <p:spTgt spid="3">
+                                            <p:txEl>
+                                              <p:pRg st="5" end="5"/>
+                                            </p:txEl>
+                                          </p:spTgt>
+                                        </p:tgtEl>
+                                        <p:attrNameLst>
+                                          <p:attrName>style.visibility</p:attrName>
+                                        </p:attrNameLst>
+                                      </p:cBhvr>
+                                      <p:to>
+                                        <p:strVal val="visible"/>
+                                      </p:to>
+                                    </p:set>
+                                  </p:childTnLst>
+                                </p:cTn>
+                              </p:par>
+                              <p:par>
+                                <p:cTn id="17" presetID="1" presetClass="entr" presetSubtype="0" fill="hold" nodeType="withEffect">
+                                  <p:stCondLst>
+                                    <p:cond delay="0"/>
+                                  </p:stCondLst>
+                                  <p:childTnLst>
+                                    <p:set>
+                                      <p:cBhvr>
+                                        <p:cTn id="18" dur="1" fill="hold">
+                                          <p:stCondLst>
+                                            <p:cond delay="0"/>
+                                          </p:stCondLst>
+                                        </p:cTn>
+                                        <p:tgtEl>
+                                          <p:spTgt spid="3">
+                                            <p:txEl>
+                                              <p:pRg st="6" end="6"/>
+                                            </p:txEl>
+                                          </p:spTgt>
+                                        </p:tgtEl>
+                                        <p:attrNameLst>
+                                          <p:attrName>style.visibility</p:attrName>
+                                        </p:attrNameLst>
+                                      </p:cBhvr>
+                                      <p:to>
+                                        <p:strVal val="visible"/>
+                                      </p:to>
+                                    </p:set>
+                                  </p:childTnLst>
+                                </p:cTn>
+                              </p:par>
+                              <p:par>
+                                <p:cTn id="19" presetID="1" presetClass="entr" presetSubtype="0" fill="hold" nodeType="withEffect">
+                                  <p:stCondLst>
+                                    <p:cond delay="0"/>
+                                  </p:stCondLst>
+                                  <p:childTnLst>
+                                    <p:set>
+                                      <p:cBhvr>
+                                        <p:cTn id="20" dur="1" fill="hold">
+                                          <p:stCondLst>
+                                            <p:cond delay="0"/>
+                                          </p:stCondLst>
+                                        </p:cTn>
+                                        <p:tgtEl>
+                                          <p:spTgt spid="3">
+                                            <p:txEl>
+                                              <p:pRg st="7" end="7"/>
+                                            </p:txEl>
+                                          </p:spTgt>
+                                        </p:tgtEl>
+                                        <p:attrNameLst>
+                                          <p:attrName>style.visibility</p:attrName>
+                                        </p:attrNameLst>
+                                      </p:cBhvr>
+                                      <p:to>
+                                        <p:strVal val="visible"/>
+                                      </p:to>
+                                    </p:set>
+                                  </p:childTnLst>
+                                </p:cTn>
+                              </p:par>
+                              <p:par>
+                                <p:cTn id="21" presetID="1" presetClass="entr" presetSubtype="0" fill="hold" nodeType="withEffect">
+                                  <p:stCondLst>
+                                    <p:cond delay="0"/>
+                                  </p:stCondLst>
+                                  <p:childTnLst>
+                                    <p:set>
+                                      <p:cBhvr>
+                                        <p:cTn id="22" dur="1" fill="hold">
+                                          <p:stCondLst>
+                                            <p:cond delay="0"/>
+                                          </p:stCondLst>
+                                        </p:cTn>
+                                        <p:tgtEl>
+                                          <p:spTgt spid="3">
+                                            <p:txEl>
+                                              <p:pRg st="8" end="8"/>
+                                            </p:txEl>
+                                          </p:spTgt>
+                                        </p:tgtEl>
+                                        <p:attrNameLst>
+                                          <p:attrName>style.visibility</p:attrName>
+                                        </p:attrNameLst>
+                                      </p:cBhvr>
+                                      <p:to>
+                                        <p:strVal val="visible"/>
+                                      </p:to>
+                                    </p:set>
+                                  </p:childTnLst>
+                                </p:cTn>
+                              </p:par>
+                              <p:par>
+                                <p:cTn id="23" presetID="1" presetClass="entr" presetSubtype="0" fill="hold" nodeType="withEffect">
+                                  <p:stCondLst>
+                                    <p:cond delay="0"/>
+                                  </p:stCondLst>
+                                  <p:childTnLst>
+                                    <p:set>
+                                      <p:cBhvr>
+                                        <p:cTn id="24" dur="1" fill="hold">
+                                          <p:stCondLst>
+                                            <p:cond delay="0"/>
+                                          </p:stCondLst>
+                                        </p:cTn>
+                                        <p:tgtEl>
+                                          <p:spTgt spid="3">
+                                            <p:txEl>
+                                              <p:pRg st="9" end="9"/>
+                                            </p:txEl>
+                                          </p:spTgt>
+                                        </p:tgtEl>
+                                        <p:attrNameLst>
+                                          <p:attrName>style.visibility</p:attrName>
+                                        </p:attrNameLst>
+                                      </p:cBhvr>
+                                      <p:to>
+                                        <p:strVal val="visible"/>
+                                      </p:to>
+                                    </p:set>
+                                  </p:childTnLst>
+                                </p:cTn>
+                              </p:par>
+                              <p:par>
+                                <p:cTn id="25" presetID="1" presetClass="entr" presetSubtype="0" fill="hold" nodeType="withEffect">
+                                  <p:stCondLst>
+                                    <p:cond delay="0"/>
+                                  </p:stCondLst>
+                                  <p:childTnLst>
+                                    <p:set>
+                                      <p:cBhvr>
+                                        <p:cTn id="26" dur="1" fill="hold">
+                                          <p:stCondLst>
+                                            <p:cond delay="0"/>
+                                          </p:stCondLst>
+                                        </p:cTn>
+                                        <p:tgtEl>
+                                          <p:spTgt spid="3">
+                                            <p:txEl>
+                                              <p:pRg st="10" end="10"/>
+                                            </p:txEl>
+                                          </p:spTgt>
+                                        </p:tgtEl>
+                                        <p:attrNameLst>
+                                          <p:attrName>style.visibility</p:attrName>
+                                        </p:attrNameLst>
+                                      </p:cBhvr>
+                                      <p:to>
+                                        <p:strVal val="visible"/>
+                                      </p:to>
+                                    </p:set>
+                                  </p:childTnLst>
+                                </p:cTn>
+                              </p:par>
+                            </p:childTnLst>
+                          </p:cTn>
+                        </p:par>
+                      </p:childTnLst>
+                    </p:cTn>
+                  </p:par>
+                </p:childTnLst>
+              </p:cTn>
+              <p:prevCondLst>
+                <p:cond evt="onPrev" delay="0">
+                  <p:tgtEl>
+                    <p:sldTgt/>
+                  </p:tgtEl>
+                </p:cond>
+              </p:prevCondLst>
+              <p:nextCondLst>
+                <p:cond evt="onNext" delay="0">
+                  <p:tgtEl>
+                    <p:sldTgt/>
+                  </p:tgtEl>
+                </p:cond>
+              </p:nextCondLst>
+            </p:seq>
+          </p:childTnLst>
+        </p:cTn>
+      </p:par>
+    </p:tnLst>
+  </p:timing>
 </p:sld>
 </file>
 
@@ -5637,7 +6558,12 @@
             <p:ph idx="1"/>
           </p:nvPr>
         </p:nvSpPr>
-        <p:spPr/>
+        <p:spPr>
+          <a:xfrm>
+            <a:off x="609600" y="1039858"/>
+            <a:ext cx="10972800" cy="5086305"/>
+          </a:xfrm>
+        </p:spPr>
         <p:txBody>
           <a:bodyPr/>
           <a:lstStyle/>
@@ -5828,6 +6754,379 @@
   <p:clrMapOvr>
     <a:masterClrMapping/>
   </p:clrMapOvr>
+  <p:timing>
+    <p:tnLst>
+      <p:par>
+        <p:cTn id="1" dur="indefinite" restart="never" nodeType="tmRoot">
+          <p:childTnLst>
+            <p:seq concurrent="1" nextAc="seek">
+              <p:cTn id="2" dur="indefinite" nodeType="mainSeq">
+                <p:childTnLst>
+                  <p:par>
+                    <p:cTn id="3" fill="hold">
+                      <p:stCondLst>
+                        <p:cond delay="indefinite"/>
+                      </p:stCondLst>
+                      <p:childTnLst>
+                        <p:par>
+                          <p:cTn id="4" fill="hold">
+                            <p:stCondLst>
+                              <p:cond delay="0"/>
+                            </p:stCondLst>
+                            <p:childTnLst>
+                              <p:par>
+                                <p:cTn id="5" presetID="1" presetClass="entr" presetSubtype="0" fill="hold" nodeType="clickEffect">
+                                  <p:stCondLst>
+                                    <p:cond delay="0"/>
+                                  </p:stCondLst>
+                                  <p:childTnLst>
+                                    <p:set>
+                                      <p:cBhvr>
+                                        <p:cTn id="6" dur="1" fill="hold">
+                                          <p:stCondLst>
+                                            <p:cond delay="0"/>
+                                          </p:stCondLst>
+                                        </p:cTn>
+                                        <p:tgtEl>
+                                          <p:spTgt spid="3">
+                                            <p:txEl>
+                                              <p:pRg st="0" end="0"/>
+                                            </p:txEl>
+                                          </p:spTgt>
+                                        </p:tgtEl>
+                                        <p:attrNameLst>
+                                          <p:attrName>style.visibility</p:attrName>
+                                        </p:attrNameLst>
+                                      </p:cBhvr>
+                                      <p:to>
+                                        <p:strVal val="visible"/>
+                                      </p:to>
+                                    </p:set>
+                                  </p:childTnLst>
+                                </p:cTn>
+                              </p:par>
+                            </p:childTnLst>
+                          </p:cTn>
+                        </p:par>
+                      </p:childTnLst>
+                    </p:cTn>
+                  </p:par>
+                  <p:par>
+                    <p:cTn id="7" fill="hold">
+                      <p:stCondLst>
+                        <p:cond delay="indefinite"/>
+                      </p:stCondLst>
+                      <p:childTnLst>
+                        <p:par>
+                          <p:cTn id="8" fill="hold">
+                            <p:stCondLst>
+                              <p:cond delay="0"/>
+                            </p:stCondLst>
+                            <p:childTnLst>
+                              <p:par>
+                                <p:cTn id="9" presetID="1" presetClass="entr" presetSubtype="0" fill="hold" nodeType="clickEffect">
+                                  <p:stCondLst>
+                                    <p:cond delay="0"/>
+                                  </p:stCondLst>
+                                  <p:childTnLst>
+                                    <p:set>
+                                      <p:cBhvr>
+                                        <p:cTn id="10" dur="1" fill="hold">
+                                          <p:stCondLst>
+                                            <p:cond delay="0"/>
+                                          </p:stCondLst>
+                                        </p:cTn>
+                                        <p:tgtEl>
+                                          <p:spTgt spid="3">
+                                            <p:txEl>
+                                              <p:pRg st="1" end="1"/>
+                                            </p:txEl>
+                                          </p:spTgt>
+                                        </p:tgtEl>
+                                        <p:attrNameLst>
+                                          <p:attrName>style.visibility</p:attrName>
+                                        </p:attrNameLst>
+                                      </p:cBhvr>
+                                      <p:to>
+                                        <p:strVal val="visible"/>
+                                      </p:to>
+                                    </p:set>
+                                  </p:childTnLst>
+                                </p:cTn>
+                              </p:par>
+                            </p:childTnLst>
+                          </p:cTn>
+                        </p:par>
+                      </p:childTnLst>
+                    </p:cTn>
+                  </p:par>
+                  <p:par>
+                    <p:cTn id="11" fill="hold">
+                      <p:stCondLst>
+                        <p:cond delay="indefinite"/>
+                      </p:stCondLst>
+                      <p:childTnLst>
+                        <p:par>
+                          <p:cTn id="12" fill="hold">
+                            <p:stCondLst>
+                              <p:cond delay="0"/>
+                            </p:stCondLst>
+                            <p:childTnLst>
+                              <p:par>
+                                <p:cTn id="13" presetID="1" presetClass="entr" presetSubtype="0" fill="hold" nodeType="clickEffect">
+                                  <p:stCondLst>
+                                    <p:cond delay="0"/>
+                                  </p:stCondLst>
+                                  <p:childTnLst>
+                                    <p:set>
+                                      <p:cBhvr>
+                                        <p:cTn id="14" dur="1" fill="hold">
+                                          <p:stCondLst>
+                                            <p:cond delay="0"/>
+                                          </p:stCondLst>
+                                        </p:cTn>
+                                        <p:tgtEl>
+                                          <p:spTgt spid="3">
+                                            <p:txEl>
+                                              <p:pRg st="2" end="2"/>
+                                            </p:txEl>
+                                          </p:spTgt>
+                                        </p:tgtEl>
+                                        <p:attrNameLst>
+                                          <p:attrName>style.visibility</p:attrName>
+                                        </p:attrNameLst>
+                                      </p:cBhvr>
+                                      <p:to>
+                                        <p:strVal val="visible"/>
+                                      </p:to>
+                                    </p:set>
+                                  </p:childTnLst>
+                                </p:cTn>
+                              </p:par>
+                            </p:childTnLst>
+                          </p:cTn>
+                        </p:par>
+                      </p:childTnLst>
+                    </p:cTn>
+                  </p:par>
+                  <p:par>
+                    <p:cTn id="15" fill="hold">
+                      <p:stCondLst>
+                        <p:cond delay="indefinite"/>
+                      </p:stCondLst>
+                      <p:childTnLst>
+                        <p:par>
+                          <p:cTn id="16" fill="hold">
+                            <p:stCondLst>
+                              <p:cond delay="0"/>
+                            </p:stCondLst>
+                            <p:childTnLst>
+                              <p:par>
+                                <p:cTn id="17" presetID="1" presetClass="entr" presetSubtype="0" fill="hold" nodeType="clickEffect">
+                                  <p:stCondLst>
+                                    <p:cond delay="0"/>
+                                  </p:stCondLst>
+                                  <p:childTnLst>
+                                    <p:set>
+                                      <p:cBhvr>
+                                        <p:cTn id="18" dur="1" fill="hold">
+                                          <p:stCondLst>
+                                            <p:cond delay="0"/>
+                                          </p:stCondLst>
+                                        </p:cTn>
+                                        <p:tgtEl>
+                                          <p:spTgt spid="3">
+                                            <p:txEl>
+                                              <p:pRg st="3" end="3"/>
+                                            </p:txEl>
+                                          </p:spTgt>
+                                        </p:tgtEl>
+                                        <p:attrNameLst>
+                                          <p:attrName>style.visibility</p:attrName>
+                                        </p:attrNameLst>
+                                      </p:cBhvr>
+                                      <p:to>
+                                        <p:strVal val="visible"/>
+                                      </p:to>
+                                    </p:set>
+                                  </p:childTnLst>
+                                </p:cTn>
+                              </p:par>
+                            </p:childTnLst>
+                          </p:cTn>
+                        </p:par>
+                      </p:childTnLst>
+                    </p:cTn>
+                  </p:par>
+                  <p:par>
+                    <p:cTn id="19" fill="hold">
+                      <p:stCondLst>
+                        <p:cond delay="indefinite"/>
+                      </p:stCondLst>
+                      <p:childTnLst>
+                        <p:par>
+                          <p:cTn id="20" fill="hold">
+                            <p:stCondLst>
+                              <p:cond delay="0"/>
+                            </p:stCondLst>
+                            <p:childTnLst>
+                              <p:par>
+                                <p:cTn id="21" presetID="1" presetClass="entr" presetSubtype="0" fill="hold" nodeType="clickEffect">
+                                  <p:stCondLst>
+                                    <p:cond delay="0"/>
+                                  </p:stCondLst>
+                                  <p:childTnLst>
+                                    <p:set>
+                                      <p:cBhvr>
+                                        <p:cTn id="22" dur="1" fill="hold">
+                                          <p:stCondLst>
+                                            <p:cond delay="0"/>
+                                          </p:stCondLst>
+                                        </p:cTn>
+                                        <p:tgtEl>
+                                          <p:spTgt spid="3">
+                                            <p:txEl>
+                                              <p:pRg st="4" end="4"/>
+                                            </p:txEl>
+                                          </p:spTgt>
+                                        </p:tgtEl>
+                                        <p:attrNameLst>
+                                          <p:attrName>style.visibility</p:attrName>
+                                        </p:attrNameLst>
+                                      </p:cBhvr>
+                                      <p:to>
+                                        <p:strVal val="visible"/>
+                                      </p:to>
+                                    </p:set>
+                                  </p:childTnLst>
+                                </p:cTn>
+                              </p:par>
+                            </p:childTnLst>
+                          </p:cTn>
+                        </p:par>
+                      </p:childTnLst>
+                    </p:cTn>
+                  </p:par>
+                  <p:par>
+                    <p:cTn id="23" fill="hold">
+                      <p:stCondLst>
+                        <p:cond delay="indefinite"/>
+                      </p:stCondLst>
+                      <p:childTnLst>
+                        <p:par>
+                          <p:cTn id="24" fill="hold">
+                            <p:stCondLst>
+                              <p:cond delay="0"/>
+                            </p:stCondLst>
+                            <p:childTnLst>
+                              <p:par>
+                                <p:cTn id="25" presetID="1" presetClass="entr" presetSubtype="0" fill="hold" nodeType="clickEffect">
+                                  <p:stCondLst>
+                                    <p:cond delay="0"/>
+                                  </p:stCondLst>
+                                  <p:childTnLst>
+                                    <p:set>
+                                      <p:cBhvr>
+                                        <p:cTn id="26" dur="1" fill="hold">
+                                          <p:stCondLst>
+                                            <p:cond delay="0"/>
+                                          </p:stCondLst>
+                                        </p:cTn>
+                                        <p:tgtEl>
+                                          <p:spTgt spid="3">
+                                            <p:txEl>
+                                              <p:pRg st="5" end="5"/>
+                                            </p:txEl>
+                                          </p:spTgt>
+                                        </p:tgtEl>
+                                        <p:attrNameLst>
+                                          <p:attrName>style.visibility</p:attrName>
+                                        </p:attrNameLst>
+                                      </p:cBhvr>
+                                      <p:to>
+                                        <p:strVal val="visible"/>
+                                      </p:to>
+                                    </p:set>
+                                  </p:childTnLst>
+                                </p:cTn>
+                              </p:par>
+                            </p:childTnLst>
+                          </p:cTn>
+                        </p:par>
+                      </p:childTnLst>
+                    </p:cTn>
+                  </p:par>
+                  <p:par>
+                    <p:cTn id="27" fill="hold">
+                      <p:stCondLst>
+                        <p:cond delay="indefinite"/>
+                      </p:stCondLst>
+                      <p:childTnLst>
+                        <p:par>
+                          <p:cTn id="28" fill="hold">
+                            <p:stCondLst>
+                              <p:cond delay="0"/>
+                            </p:stCondLst>
+                            <p:childTnLst>
+                              <p:par>
+                                <p:cTn id="29" presetID="1" presetClass="entr" presetSubtype="0" fill="hold" nodeType="clickEffect">
+                                  <p:stCondLst>
+                                    <p:cond delay="0"/>
+                                  </p:stCondLst>
+                                  <p:childTnLst>
+                                    <p:set>
+                                      <p:cBhvr>
+                                        <p:cTn id="30" dur="1" fill="hold">
+                                          <p:stCondLst>
+                                            <p:cond delay="0"/>
+                                          </p:stCondLst>
+                                        </p:cTn>
+                                        <p:tgtEl>
+                                          <p:spTgt spid="3">
+                                            <p:txEl>
+                                              <p:pRg st="6" end="6"/>
+                                            </p:txEl>
+                                          </p:spTgt>
+                                        </p:tgtEl>
+                                        <p:attrNameLst>
+                                          <p:attrName>style.visibility</p:attrName>
+                                        </p:attrNameLst>
+                                      </p:cBhvr>
+                                      <p:to>
+                                        <p:strVal val="visible"/>
+                                      </p:to>
+                                    </p:set>
+                                  </p:childTnLst>
+                                </p:cTn>
+                              </p:par>
+                            </p:childTnLst>
+                          </p:cTn>
+                        </p:par>
+                      </p:childTnLst>
+                    </p:cTn>
+                  </p:par>
+                </p:childTnLst>
+              </p:cTn>
+              <p:prevCondLst>
+                <p:cond evt="onPrev" delay="0">
+                  <p:tgtEl>
+                    <p:sldTgt/>
+                  </p:tgtEl>
+                </p:cond>
+              </p:prevCondLst>
+              <p:nextCondLst>
+                <p:cond evt="onNext" delay="0">
+                  <p:tgtEl>
+                    <p:sldTgt/>
+                  </p:tgtEl>
+                </p:cond>
+              </p:nextCondLst>
+            </p:seq>
+          </p:childTnLst>
+        </p:cTn>
+      </p:par>
+    </p:tnLst>
+  </p:timing>
 </p:sld>
 </file>
 
@@ -6729,6 +8028,343 @@
   <p:clrMapOvr>
     <a:masterClrMapping/>
   </p:clrMapOvr>
+  <p:timing>
+    <p:tnLst>
+      <p:par>
+        <p:cTn id="1" dur="indefinite" restart="never" nodeType="tmRoot">
+          <p:childTnLst>
+            <p:seq concurrent="1" nextAc="seek">
+              <p:cTn id="2" dur="indefinite" nodeType="mainSeq">
+                <p:childTnLst>
+                  <p:par>
+                    <p:cTn id="3" fill="hold">
+                      <p:stCondLst>
+                        <p:cond delay="indefinite"/>
+                      </p:stCondLst>
+                      <p:childTnLst>
+                        <p:par>
+                          <p:cTn id="4" fill="hold">
+                            <p:stCondLst>
+                              <p:cond delay="0"/>
+                            </p:stCondLst>
+                            <p:childTnLst>
+                              <p:par>
+                                <p:cTn id="5" presetID="1" presetClass="entr" presetSubtype="0" fill="hold" nodeType="clickEffect">
+                                  <p:stCondLst>
+                                    <p:cond delay="0"/>
+                                  </p:stCondLst>
+                                  <p:childTnLst>
+                                    <p:set>
+                                      <p:cBhvr>
+                                        <p:cTn id="6" dur="1" fill="hold">
+                                          <p:stCondLst>
+                                            <p:cond delay="0"/>
+                                          </p:stCondLst>
+                                        </p:cTn>
+                                        <p:tgtEl>
+                                          <p:spTgt spid="3">
+                                            <p:txEl>
+                                              <p:pRg st="0" end="0"/>
+                                            </p:txEl>
+                                          </p:spTgt>
+                                        </p:tgtEl>
+                                        <p:attrNameLst>
+                                          <p:attrName>style.visibility</p:attrName>
+                                        </p:attrNameLst>
+                                      </p:cBhvr>
+                                      <p:to>
+                                        <p:strVal val="visible"/>
+                                      </p:to>
+                                    </p:set>
+                                  </p:childTnLst>
+                                </p:cTn>
+                              </p:par>
+                            </p:childTnLst>
+                          </p:cTn>
+                        </p:par>
+                      </p:childTnLst>
+                    </p:cTn>
+                  </p:par>
+                  <p:par>
+                    <p:cTn id="7" fill="hold">
+                      <p:stCondLst>
+                        <p:cond delay="indefinite"/>
+                      </p:stCondLst>
+                      <p:childTnLst>
+                        <p:par>
+                          <p:cTn id="8" fill="hold">
+                            <p:stCondLst>
+                              <p:cond delay="0"/>
+                            </p:stCondLst>
+                            <p:childTnLst>
+                              <p:par>
+                                <p:cTn id="9" presetID="1" presetClass="entr" presetSubtype="0" fill="hold" nodeType="clickEffect">
+                                  <p:stCondLst>
+                                    <p:cond delay="0"/>
+                                  </p:stCondLst>
+                                  <p:childTnLst>
+                                    <p:set>
+                                      <p:cBhvr>
+                                        <p:cTn id="10" dur="1" fill="hold">
+                                          <p:stCondLst>
+                                            <p:cond delay="0"/>
+                                          </p:stCondLst>
+                                        </p:cTn>
+                                        <p:tgtEl>
+                                          <p:spTgt spid="3">
+                                            <p:txEl>
+                                              <p:pRg st="1" end="1"/>
+                                            </p:txEl>
+                                          </p:spTgt>
+                                        </p:tgtEl>
+                                        <p:attrNameLst>
+                                          <p:attrName>style.visibility</p:attrName>
+                                        </p:attrNameLst>
+                                      </p:cBhvr>
+                                      <p:to>
+                                        <p:strVal val="visible"/>
+                                      </p:to>
+                                    </p:set>
+                                  </p:childTnLst>
+                                </p:cTn>
+                              </p:par>
+                            </p:childTnLst>
+                          </p:cTn>
+                        </p:par>
+                      </p:childTnLst>
+                    </p:cTn>
+                  </p:par>
+                  <p:par>
+                    <p:cTn id="11" fill="hold">
+                      <p:stCondLst>
+                        <p:cond delay="indefinite"/>
+                      </p:stCondLst>
+                      <p:childTnLst>
+                        <p:par>
+                          <p:cTn id="12" fill="hold">
+                            <p:stCondLst>
+                              <p:cond delay="0"/>
+                            </p:stCondLst>
+                            <p:childTnLst>
+                              <p:par>
+                                <p:cTn id="13" presetID="1" presetClass="entr" presetSubtype="0" fill="hold" nodeType="clickEffect">
+                                  <p:stCondLst>
+                                    <p:cond delay="0"/>
+                                  </p:stCondLst>
+                                  <p:childTnLst>
+                                    <p:set>
+                                      <p:cBhvr>
+                                        <p:cTn id="14" dur="1" fill="hold">
+                                          <p:stCondLst>
+                                            <p:cond delay="0"/>
+                                          </p:stCondLst>
+                                        </p:cTn>
+                                        <p:tgtEl>
+                                          <p:spTgt spid="3">
+                                            <p:txEl>
+                                              <p:pRg st="2" end="2"/>
+                                            </p:txEl>
+                                          </p:spTgt>
+                                        </p:tgtEl>
+                                        <p:attrNameLst>
+                                          <p:attrName>style.visibility</p:attrName>
+                                        </p:attrNameLst>
+                                      </p:cBhvr>
+                                      <p:to>
+                                        <p:strVal val="visible"/>
+                                      </p:to>
+                                    </p:set>
+                                  </p:childTnLst>
+                                </p:cTn>
+                              </p:par>
+                              <p:par>
+                                <p:cTn id="15" presetID="1" presetClass="entr" presetSubtype="0" fill="hold" nodeType="withEffect">
+                                  <p:stCondLst>
+                                    <p:cond delay="0"/>
+                                  </p:stCondLst>
+                                  <p:childTnLst>
+                                    <p:set>
+                                      <p:cBhvr>
+                                        <p:cTn id="16" dur="1" fill="hold">
+                                          <p:stCondLst>
+                                            <p:cond delay="0"/>
+                                          </p:stCondLst>
+                                        </p:cTn>
+                                        <p:tgtEl>
+                                          <p:spTgt spid="3">
+                                            <p:txEl>
+                                              <p:pRg st="3" end="3"/>
+                                            </p:txEl>
+                                          </p:spTgt>
+                                        </p:tgtEl>
+                                        <p:attrNameLst>
+                                          <p:attrName>style.visibility</p:attrName>
+                                        </p:attrNameLst>
+                                      </p:cBhvr>
+                                      <p:to>
+                                        <p:strVal val="visible"/>
+                                      </p:to>
+                                    </p:set>
+                                  </p:childTnLst>
+                                </p:cTn>
+                              </p:par>
+                              <p:par>
+                                <p:cTn id="17" presetID="1" presetClass="entr" presetSubtype="0" fill="hold" nodeType="withEffect">
+                                  <p:stCondLst>
+                                    <p:cond delay="0"/>
+                                  </p:stCondLst>
+                                  <p:childTnLst>
+                                    <p:set>
+                                      <p:cBhvr>
+                                        <p:cTn id="18" dur="1" fill="hold">
+                                          <p:stCondLst>
+                                            <p:cond delay="0"/>
+                                          </p:stCondLst>
+                                        </p:cTn>
+                                        <p:tgtEl>
+                                          <p:spTgt spid="3">
+                                            <p:txEl>
+                                              <p:pRg st="4" end="4"/>
+                                            </p:txEl>
+                                          </p:spTgt>
+                                        </p:tgtEl>
+                                        <p:attrNameLst>
+                                          <p:attrName>style.visibility</p:attrName>
+                                        </p:attrNameLst>
+                                      </p:cBhvr>
+                                      <p:to>
+                                        <p:strVal val="visible"/>
+                                      </p:to>
+                                    </p:set>
+                                  </p:childTnLst>
+                                </p:cTn>
+                              </p:par>
+                            </p:childTnLst>
+                          </p:cTn>
+                        </p:par>
+                      </p:childTnLst>
+                    </p:cTn>
+                  </p:par>
+                  <p:par>
+                    <p:cTn id="19" fill="hold">
+                      <p:stCondLst>
+                        <p:cond delay="indefinite"/>
+                      </p:stCondLst>
+                      <p:childTnLst>
+                        <p:par>
+                          <p:cTn id="20" fill="hold">
+                            <p:stCondLst>
+                              <p:cond delay="0"/>
+                            </p:stCondLst>
+                            <p:childTnLst>
+                              <p:par>
+                                <p:cTn id="21" presetID="1" presetClass="entr" presetSubtype="0" fill="hold" nodeType="clickEffect">
+                                  <p:stCondLst>
+                                    <p:cond delay="0"/>
+                                  </p:stCondLst>
+                                  <p:childTnLst>
+                                    <p:set>
+                                      <p:cBhvr>
+                                        <p:cTn id="22" dur="1" fill="hold">
+                                          <p:stCondLst>
+                                            <p:cond delay="0"/>
+                                          </p:stCondLst>
+                                        </p:cTn>
+                                        <p:tgtEl>
+                                          <p:spTgt spid="3">
+                                            <p:txEl>
+                                              <p:pRg st="5" end="5"/>
+                                            </p:txEl>
+                                          </p:spTgt>
+                                        </p:tgtEl>
+                                        <p:attrNameLst>
+                                          <p:attrName>style.visibility</p:attrName>
+                                        </p:attrNameLst>
+                                      </p:cBhvr>
+                                      <p:to>
+                                        <p:strVal val="visible"/>
+                                      </p:to>
+                                    </p:set>
+                                  </p:childTnLst>
+                                </p:cTn>
+                              </p:par>
+                            </p:childTnLst>
+                          </p:cTn>
+                        </p:par>
+                      </p:childTnLst>
+                    </p:cTn>
+                  </p:par>
+                  <p:par>
+                    <p:cTn id="23" fill="hold">
+                      <p:stCondLst>
+                        <p:cond delay="indefinite"/>
+                      </p:stCondLst>
+                      <p:childTnLst>
+                        <p:par>
+                          <p:cTn id="24" fill="hold">
+                            <p:stCondLst>
+                              <p:cond delay="0"/>
+                            </p:stCondLst>
+                            <p:childTnLst>
+                              <p:par>
+                                <p:cTn id="25" presetID="1" presetClass="entr" presetSubtype="0" fill="hold" nodeType="clickEffect">
+                                  <p:stCondLst>
+                                    <p:cond delay="0"/>
+                                  </p:stCondLst>
+                                  <p:childTnLst>
+                                    <p:set>
+                                      <p:cBhvr>
+                                        <p:cTn id="26" dur="1" fill="hold">
+                                          <p:stCondLst>
+                                            <p:cond delay="0"/>
+                                          </p:stCondLst>
+                                        </p:cTn>
+                                        <p:tgtEl>
+                                          <p:spTgt spid="3">
+                                            <p:txEl>
+                                              <p:pRg st="6" end="6"/>
+                                            </p:txEl>
+                                          </p:spTgt>
+                                        </p:tgtEl>
+                                        <p:attrNameLst>
+                                          <p:attrName>style.visibility</p:attrName>
+                                        </p:attrNameLst>
+                                      </p:cBhvr>
+                                      <p:to>
+                                        <p:strVal val="visible"/>
+                                      </p:to>
+                                    </p:set>
+                                  </p:childTnLst>
+                                </p:cTn>
+                              </p:par>
+                            </p:childTnLst>
+                          </p:cTn>
+                        </p:par>
+                      </p:childTnLst>
+                    </p:cTn>
+                  </p:par>
+                </p:childTnLst>
+              </p:cTn>
+              <p:prevCondLst>
+                <p:cond evt="onPrev" delay="0">
+                  <p:tgtEl>
+                    <p:sldTgt/>
+                  </p:tgtEl>
+                </p:cond>
+              </p:prevCondLst>
+              <p:nextCondLst>
+                <p:cond evt="onNext" delay="0">
+                  <p:tgtEl>
+                    <p:sldTgt/>
+                  </p:tgtEl>
+                </p:cond>
+              </p:nextCondLst>
+            </p:seq>
+          </p:childTnLst>
+        </p:cTn>
+      </p:par>
+    </p:tnLst>
+  </p:timing>
 </p:sld>
 </file>
 
@@ -6927,6 +8563,472 @@
   <p:clrMapOvr>
     <a:masterClrMapping/>
   </p:clrMapOvr>
+  <p:timing>
+    <p:tnLst>
+      <p:par>
+        <p:cTn id="1" dur="indefinite" restart="never" nodeType="tmRoot">
+          <p:childTnLst>
+            <p:seq concurrent="1" nextAc="seek">
+              <p:cTn id="2" dur="indefinite" nodeType="mainSeq">
+                <p:childTnLst>
+                  <p:par>
+                    <p:cTn id="3" fill="hold">
+                      <p:stCondLst>
+                        <p:cond delay="indefinite"/>
+                      </p:stCondLst>
+                      <p:childTnLst>
+                        <p:par>
+                          <p:cTn id="4" fill="hold">
+                            <p:stCondLst>
+                              <p:cond delay="0"/>
+                            </p:stCondLst>
+                            <p:childTnLst>
+                              <p:par>
+                                <p:cTn id="5" presetID="1" presetClass="entr" presetSubtype="0" fill="hold" nodeType="clickEffect">
+                                  <p:stCondLst>
+                                    <p:cond delay="0"/>
+                                  </p:stCondLst>
+                                  <p:childTnLst>
+                                    <p:set>
+                                      <p:cBhvr>
+                                        <p:cTn id="6" dur="1" fill="hold">
+                                          <p:stCondLst>
+                                            <p:cond delay="0"/>
+                                          </p:stCondLst>
+                                        </p:cTn>
+                                        <p:tgtEl>
+                                          <p:spTgt spid="3">
+                                            <p:txEl>
+                                              <p:pRg st="0" end="0"/>
+                                            </p:txEl>
+                                          </p:spTgt>
+                                        </p:tgtEl>
+                                        <p:attrNameLst>
+                                          <p:attrName>style.visibility</p:attrName>
+                                        </p:attrNameLst>
+                                      </p:cBhvr>
+                                      <p:to>
+                                        <p:strVal val="visible"/>
+                                      </p:to>
+                                    </p:set>
+                                  </p:childTnLst>
+                                </p:cTn>
+                              </p:par>
+                            </p:childTnLst>
+                          </p:cTn>
+                        </p:par>
+                      </p:childTnLst>
+                    </p:cTn>
+                  </p:par>
+                  <p:par>
+                    <p:cTn id="7" fill="hold">
+                      <p:stCondLst>
+                        <p:cond delay="indefinite"/>
+                      </p:stCondLst>
+                      <p:childTnLst>
+                        <p:par>
+                          <p:cTn id="8" fill="hold">
+                            <p:stCondLst>
+                              <p:cond delay="0"/>
+                            </p:stCondLst>
+                            <p:childTnLst>
+                              <p:par>
+                                <p:cTn id="9" presetID="1" presetClass="entr" presetSubtype="0" fill="hold" nodeType="clickEffect">
+                                  <p:stCondLst>
+                                    <p:cond delay="0"/>
+                                  </p:stCondLst>
+                                  <p:childTnLst>
+                                    <p:set>
+                                      <p:cBhvr>
+                                        <p:cTn id="10" dur="1" fill="hold">
+                                          <p:stCondLst>
+                                            <p:cond delay="0"/>
+                                          </p:stCondLst>
+                                        </p:cTn>
+                                        <p:tgtEl>
+                                          <p:spTgt spid="3">
+                                            <p:txEl>
+                                              <p:pRg st="1" end="1"/>
+                                            </p:txEl>
+                                          </p:spTgt>
+                                        </p:tgtEl>
+                                        <p:attrNameLst>
+                                          <p:attrName>style.visibility</p:attrName>
+                                        </p:attrNameLst>
+                                      </p:cBhvr>
+                                      <p:to>
+                                        <p:strVal val="visible"/>
+                                      </p:to>
+                                    </p:set>
+                                  </p:childTnLst>
+                                </p:cTn>
+                              </p:par>
+                            </p:childTnLst>
+                          </p:cTn>
+                        </p:par>
+                      </p:childTnLst>
+                    </p:cTn>
+                  </p:par>
+                  <p:par>
+                    <p:cTn id="11" fill="hold">
+                      <p:stCondLst>
+                        <p:cond delay="indefinite"/>
+                      </p:stCondLst>
+                      <p:childTnLst>
+                        <p:par>
+                          <p:cTn id="12" fill="hold">
+                            <p:stCondLst>
+                              <p:cond delay="0"/>
+                            </p:stCondLst>
+                            <p:childTnLst>
+                              <p:par>
+                                <p:cTn id="13" presetID="1" presetClass="entr" presetSubtype="0" fill="hold" nodeType="clickEffect">
+                                  <p:stCondLst>
+                                    <p:cond delay="0"/>
+                                  </p:stCondLst>
+                                  <p:childTnLst>
+                                    <p:set>
+                                      <p:cBhvr>
+                                        <p:cTn id="14" dur="1" fill="hold">
+                                          <p:stCondLst>
+                                            <p:cond delay="0"/>
+                                          </p:stCondLst>
+                                        </p:cTn>
+                                        <p:tgtEl>
+                                          <p:spTgt spid="3">
+                                            <p:txEl>
+                                              <p:pRg st="2" end="2"/>
+                                            </p:txEl>
+                                          </p:spTgt>
+                                        </p:tgtEl>
+                                        <p:attrNameLst>
+                                          <p:attrName>style.visibility</p:attrName>
+                                        </p:attrNameLst>
+                                      </p:cBhvr>
+                                      <p:to>
+                                        <p:strVal val="visible"/>
+                                      </p:to>
+                                    </p:set>
+                                  </p:childTnLst>
+                                </p:cTn>
+                              </p:par>
+                            </p:childTnLst>
+                          </p:cTn>
+                        </p:par>
+                      </p:childTnLst>
+                    </p:cTn>
+                  </p:par>
+                  <p:par>
+                    <p:cTn id="15" fill="hold">
+                      <p:stCondLst>
+                        <p:cond delay="indefinite"/>
+                      </p:stCondLst>
+                      <p:childTnLst>
+                        <p:par>
+                          <p:cTn id="16" fill="hold">
+                            <p:stCondLst>
+                              <p:cond delay="0"/>
+                            </p:stCondLst>
+                            <p:childTnLst>
+                              <p:par>
+                                <p:cTn id="17" presetID="1" presetClass="entr" presetSubtype="0" fill="hold" nodeType="clickEffect">
+                                  <p:stCondLst>
+                                    <p:cond delay="0"/>
+                                  </p:stCondLst>
+                                  <p:childTnLst>
+                                    <p:set>
+                                      <p:cBhvr>
+                                        <p:cTn id="18" dur="1" fill="hold">
+                                          <p:stCondLst>
+                                            <p:cond delay="0"/>
+                                          </p:stCondLst>
+                                        </p:cTn>
+                                        <p:tgtEl>
+                                          <p:spTgt spid="3">
+                                            <p:txEl>
+                                              <p:pRg st="3" end="3"/>
+                                            </p:txEl>
+                                          </p:spTgt>
+                                        </p:tgtEl>
+                                        <p:attrNameLst>
+                                          <p:attrName>style.visibility</p:attrName>
+                                        </p:attrNameLst>
+                                      </p:cBhvr>
+                                      <p:to>
+                                        <p:strVal val="visible"/>
+                                      </p:to>
+                                    </p:set>
+                                  </p:childTnLst>
+                                </p:cTn>
+                              </p:par>
+                            </p:childTnLst>
+                          </p:cTn>
+                        </p:par>
+                      </p:childTnLst>
+                    </p:cTn>
+                  </p:par>
+                  <p:par>
+                    <p:cTn id="19" fill="hold">
+                      <p:stCondLst>
+                        <p:cond delay="indefinite"/>
+                      </p:stCondLst>
+                      <p:childTnLst>
+                        <p:par>
+                          <p:cTn id="20" fill="hold">
+                            <p:stCondLst>
+                              <p:cond delay="0"/>
+                            </p:stCondLst>
+                            <p:childTnLst>
+                              <p:par>
+                                <p:cTn id="21" presetID="1" presetClass="entr" presetSubtype="0" fill="hold" nodeType="clickEffect">
+                                  <p:stCondLst>
+                                    <p:cond delay="0"/>
+                                  </p:stCondLst>
+                                  <p:childTnLst>
+                                    <p:set>
+                                      <p:cBhvr>
+                                        <p:cTn id="22" dur="1" fill="hold">
+                                          <p:stCondLst>
+                                            <p:cond delay="0"/>
+                                          </p:stCondLst>
+                                        </p:cTn>
+                                        <p:tgtEl>
+                                          <p:spTgt spid="3">
+                                            <p:txEl>
+                                              <p:pRg st="4" end="4"/>
+                                            </p:txEl>
+                                          </p:spTgt>
+                                        </p:tgtEl>
+                                        <p:attrNameLst>
+                                          <p:attrName>style.visibility</p:attrName>
+                                        </p:attrNameLst>
+                                      </p:cBhvr>
+                                      <p:to>
+                                        <p:strVal val="visible"/>
+                                      </p:to>
+                                    </p:set>
+                                  </p:childTnLst>
+                                </p:cTn>
+                              </p:par>
+                              <p:par>
+                                <p:cTn id="23" presetID="1" presetClass="entr" presetSubtype="0" fill="hold" nodeType="withEffect">
+                                  <p:stCondLst>
+                                    <p:cond delay="0"/>
+                                  </p:stCondLst>
+                                  <p:childTnLst>
+                                    <p:set>
+                                      <p:cBhvr>
+                                        <p:cTn id="24" dur="1" fill="hold">
+                                          <p:stCondLst>
+                                            <p:cond delay="0"/>
+                                          </p:stCondLst>
+                                        </p:cTn>
+                                        <p:tgtEl>
+                                          <p:spTgt spid="3">
+                                            <p:txEl>
+                                              <p:pRg st="5" end="5"/>
+                                            </p:txEl>
+                                          </p:spTgt>
+                                        </p:tgtEl>
+                                        <p:attrNameLst>
+                                          <p:attrName>style.visibility</p:attrName>
+                                        </p:attrNameLst>
+                                      </p:cBhvr>
+                                      <p:to>
+                                        <p:strVal val="visible"/>
+                                      </p:to>
+                                    </p:set>
+                                  </p:childTnLst>
+                                </p:cTn>
+                              </p:par>
+                            </p:childTnLst>
+                          </p:cTn>
+                        </p:par>
+                      </p:childTnLst>
+                    </p:cTn>
+                  </p:par>
+                  <p:par>
+                    <p:cTn id="25" fill="hold">
+                      <p:stCondLst>
+                        <p:cond delay="indefinite"/>
+                      </p:stCondLst>
+                      <p:childTnLst>
+                        <p:par>
+                          <p:cTn id="26" fill="hold">
+                            <p:stCondLst>
+                              <p:cond delay="0"/>
+                            </p:stCondLst>
+                            <p:childTnLst>
+                              <p:par>
+                                <p:cTn id="27" presetID="1" presetClass="entr" presetSubtype="0" fill="hold" nodeType="clickEffect">
+                                  <p:stCondLst>
+                                    <p:cond delay="0"/>
+                                  </p:stCondLst>
+                                  <p:childTnLst>
+                                    <p:set>
+                                      <p:cBhvr>
+                                        <p:cTn id="28" dur="1" fill="hold">
+                                          <p:stCondLst>
+                                            <p:cond delay="0"/>
+                                          </p:stCondLst>
+                                        </p:cTn>
+                                        <p:tgtEl>
+                                          <p:spTgt spid="3">
+                                            <p:txEl>
+                                              <p:pRg st="6" end="6"/>
+                                            </p:txEl>
+                                          </p:spTgt>
+                                        </p:tgtEl>
+                                        <p:attrNameLst>
+                                          <p:attrName>style.visibility</p:attrName>
+                                        </p:attrNameLst>
+                                      </p:cBhvr>
+                                      <p:to>
+                                        <p:strVal val="visible"/>
+                                      </p:to>
+                                    </p:set>
+                                  </p:childTnLst>
+                                </p:cTn>
+                              </p:par>
+                            </p:childTnLst>
+                          </p:cTn>
+                        </p:par>
+                      </p:childTnLst>
+                    </p:cTn>
+                  </p:par>
+                  <p:par>
+                    <p:cTn id="29" fill="hold">
+                      <p:stCondLst>
+                        <p:cond delay="indefinite"/>
+                      </p:stCondLst>
+                      <p:childTnLst>
+                        <p:par>
+                          <p:cTn id="30" fill="hold">
+                            <p:stCondLst>
+                              <p:cond delay="0"/>
+                            </p:stCondLst>
+                            <p:childTnLst>
+                              <p:par>
+                                <p:cTn id="31" presetID="1" presetClass="entr" presetSubtype="0" fill="hold" nodeType="clickEffect">
+                                  <p:stCondLst>
+                                    <p:cond delay="0"/>
+                                  </p:stCondLst>
+                                  <p:childTnLst>
+                                    <p:set>
+                                      <p:cBhvr>
+                                        <p:cTn id="32" dur="1" fill="hold">
+                                          <p:stCondLst>
+                                            <p:cond delay="0"/>
+                                          </p:stCondLst>
+                                        </p:cTn>
+                                        <p:tgtEl>
+                                          <p:spTgt spid="3">
+                                            <p:txEl>
+                                              <p:pRg st="7" end="7"/>
+                                            </p:txEl>
+                                          </p:spTgt>
+                                        </p:tgtEl>
+                                        <p:attrNameLst>
+                                          <p:attrName>style.visibility</p:attrName>
+                                        </p:attrNameLst>
+                                      </p:cBhvr>
+                                      <p:to>
+                                        <p:strVal val="visible"/>
+                                      </p:to>
+                                    </p:set>
+                                  </p:childTnLst>
+                                </p:cTn>
+                              </p:par>
+                              <p:par>
+                                <p:cTn id="33" presetID="1" presetClass="entr" presetSubtype="0" fill="hold" nodeType="withEffect">
+                                  <p:stCondLst>
+                                    <p:cond delay="0"/>
+                                  </p:stCondLst>
+                                  <p:childTnLst>
+                                    <p:set>
+                                      <p:cBhvr>
+                                        <p:cTn id="34" dur="1" fill="hold">
+                                          <p:stCondLst>
+                                            <p:cond delay="0"/>
+                                          </p:stCondLst>
+                                        </p:cTn>
+                                        <p:tgtEl>
+                                          <p:spTgt spid="3">
+                                            <p:txEl>
+                                              <p:pRg st="8" end="8"/>
+                                            </p:txEl>
+                                          </p:spTgt>
+                                        </p:tgtEl>
+                                        <p:attrNameLst>
+                                          <p:attrName>style.visibility</p:attrName>
+                                        </p:attrNameLst>
+                                      </p:cBhvr>
+                                      <p:to>
+                                        <p:strVal val="visible"/>
+                                      </p:to>
+                                    </p:set>
+                                  </p:childTnLst>
+                                </p:cTn>
+                              </p:par>
+                              <p:par>
+                                <p:cTn id="35" presetID="1" presetClass="entr" presetSubtype="0" fill="hold" nodeType="withEffect">
+                                  <p:stCondLst>
+                                    <p:cond delay="0"/>
+                                  </p:stCondLst>
+                                  <p:childTnLst>
+                                    <p:set>
+                                      <p:cBhvr>
+                                        <p:cTn id="36" dur="1" fill="hold">
+                                          <p:stCondLst>
+                                            <p:cond delay="0"/>
+                                          </p:stCondLst>
+                                        </p:cTn>
+                                        <p:tgtEl>
+                                          <p:spTgt spid="3">
+                                            <p:txEl>
+                                              <p:pRg st="9" end="9"/>
+                                            </p:txEl>
+                                          </p:spTgt>
+                                        </p:tgtEl>
+                                        <p:attrNameLst>
+                                          <p:attrName>style.visibility</p:attrName>
+                                        </p:attrNameLst>
+                                      </p:cBhvr>
+                                      <p:to>
+                                        <p:strVal val="visible"/>
+                                      </p:to>
+                                    </p:set>
+                                  </p:childTnLst>
+                                </p:cTn>
+                              </p:par>
+                            </p:childTnLst>
+                          </p:cTn>
+                        </p:par>
+                      </p:childTnLst>
+                    </p:cTn>
+                  </p:par>
+                </p:childTnLst>
+              </p:cTn>
+              <p:prevCondLst>
+                <p:cond evt="onPrev" delay="0">
+                  <p:tgtEl>
+                    <p:sldTgt/>
+                  </p:tgtEl>
+                </p:cond>
+              </p:prevCondLst>
+              <p:nextCondLst>
+                <p:cond evt="onNext" delay="0">
+                  <p:tgtEl>
+                    <p:sldTgt/>
+                  </p:tgtEl>
+                </p:cond>
+              </p:nextCondLst>
+            </p:seq>
+          </p:childTnLst>
+        </p:cTn>
+      </p:par>
+    </p:tnLst>
+  </p:timing>
 </p:sld>
 </file>
 
@@ -7128,6 +9230,183 @@
   <p:clrMapOvr>
     <a:masterClrMapping/>
   </p:clrMapOvr>
+  <p:timing>
+    <p:tnLst>
+      <p:par>
+        <p:cTn id="1" dur="indefinite" restart="never" nodeType="tmRoot">
+          <p:childTnLst>
+            <p:seq concurrent="1" nextAc="seek">
+              <p:cTn id="2" dur="indefinite" nodeType="mainSeq">
+                <p:childTnLst>
+                  <p:par>
+                    <p:cTn id="3" fill="hold">
+                      <p:stCondLst>
+                        <p:cond delay="indefinite"/>
+                      </p:stCondLst>
+                      <p:childTnLst>
+                        <p:par>
+                          <p:cTn id="4" fill="hold">
+                            <p:stCondLst>
+                              <p:cond delay="0"/>
+                            </p:stCondLst>
+                            <p:childTnLst>
+                              <p:par>
+                                <p:cTn id="5" presetID="1" presetClass="entr" presetSubtype="0" fill="hold" nodeType="clickEffect">
+                                  <p:stCondLst>
+                                    <p:cond delay="0"/>
+                                  </p:stCondLst>
+                                  <p:childTnLst>
+                                    <p:set>
+                                      <p:cBhvr>
+                                        <p:cTn id="6" dur="1" fill="hold">
+                                          <p:stCondLst>
+                                            <p:cond delay="0"/>
+                                          </p:stCondLst>
+                                        </p:cTn>
+                                        <p:tgtEl>
+                                          <p:spTgt spid="3">
+                                            <p:txEl>
+                                              <p:pRg st="0" end="0"/>
+                                            </p:txEl>
+                                          </p:spTgt>
+                                        </p:tgtEl>
+                                        <p:attrNameLst>
+                                          <p:attrName>style.visibility</p:attrName>
+                                        </p:attrNameLst>
+                                      </p:cBhvr>
+                                      <p:to>
+                                        <p:strVal val="visible"/>
+                                      </p:to>
+                                    </p:set>
+                                  </p:childTnLst>
+                                </p:cTn>
+                              </p:par>
+                            </p:childTnLst>
+                          </p:cTn>
+                        </p:par>
+                      </p:childTnLst>
+                    </p:cTn>
+                  </p:par>
+                  <p:par>
+                    <p:cTn id="7" fill="hold">
+                      <p:stCondLst>
+                        <p:cond delay="indefinite"/>
+                      </p:stCondLst>
+                      <p:childTnLst>
+                        <p:par>
+                          <p:cTn id="8" fill="hold">
+                            <p:stCondLst>
+                              <p:cond delay="0"/>
+                            </p:stCondLst>
+                            <p:childTnLst>
+                              <p:par>
+                                <p:cTn id="9" presetID="1" presetClass="entr" presetSubtype="0" fill="hold" nodeType="clickEffect">
+                                  <p:stCondLst>
+                                    <p:cond delay="0"/>
+                                  </p:stCondLst>
+                                  <p:childTnLst>
+                                    <p:set>
+                                      <p:cBhvr>
+                                        <p:cTn id="10" dur="1" fill="hold">
+                                          <p:stCondLst>
+                                            <p:cond delay="0"/>
+                                          </p:stCondLst>
+                                        </p:cTn>
+                                        <p:tgtEl>
+                                          <p:spTgt spid="3">
+                                            <p:txEl>
+                                              <p:pRg st="1" end="1"/>
+                                            </p:txEl>
+                                          </p:spTgt>
+                                        </p:tgtEl>
+                                        <p:attrNameLst>
+                                          <p:attrName>style.visibility</p:attrName>
+                                        </p:attrNameLst>
+                                      </p:cBhvr>
+                                      <p:to>
+                                        <p:strVal val="visible"/>
+                                      </p:to>
+                                    </p:set>
+                                  </p:childTnLst>
+                                </p:cTn>
+                              </p:par>
+                            </p:childTnLst>
+                          </p:cTn>
+                        </p:par>
+                      </p:childTnLst>
+                    </p:cTn>
+                  </p:par>
+                  <p:par>
+                    <p:cTn id="11" fill="hold">
+                      <p:stCondLst>
+                        <p:cond delay="indefinite"/>
+                      </p:stCondLst>
+                      <p:childTnLst>
+                        <p:par>
+                          <p:cTn id="12" fill="hold">
+                            <p:stCondLst>
+                              <p:cond delay="0"/>
+                            </p:stCondLst>
+                            <p:childTnLst>
+                              <p:par>
+                                <p:cTn id="13" presetID="1" presetClass="entr" presetSubtype="0" fill="hold" nodeType="clickEffect">
+                                  <p:stCondLst>
+                                    <p:cond delay="0"/>
+                                  </p:stCondLst>
+                                  <p:childTnLst>
+                                    <p:set>
+                                      <p:cBhvr>
+                                        <p:cTn id="14" dur="1" fill="hold">
+                                          <p:stCondLst>
+                                            <p:cond delay="0"/>
+                                          </p:stCondLst>
+                                        </p:cTn>
+                                        <p:tgtEl>
+                                          <p:spTgt spid="3">
+                                            <p:txEl>
+                                              <p:pRg st="2" end="2"/>
+                                            </p:txEl>
+                                          </p:spTgt>
+                                        </p:tgtEl>
+                                        <p:attrNameLst>
+                                          <p:attrName>style.visibility</p:attrName>
+                                        </p:attrNameLst>
+                                      </p:cBhvr>
+                                      <p:to>
+                                        <p:strVal val="visible"/>
+                                      </p:to>
+                                    </p:set>
+                                  </p:childTnLst>
+                                </p:cTn>
+                              </p:par>
+                            </p:childTnLst>
+                          </p:cTn>
+                        </p:par>
+                      </p:childTnLst>
+                    </p:cTn>
+                  </p:par>
+                </p:childTnLst>
+              </p:cTn>
+              <p:prevCondLst>
+                <p:cond evt="onPrev" delay="0">
+                  <p:tgtEl>
+                    <p:sldTgt/>
+                  </p:tgtEl>
+                </p:cond>
+              </p:prevCondLst>
+              <p:nextCondLst>
+                <p:cond evt="onNext" delay="0">
+                  <p:tgtEl>
+                    <p:sldTgt/>
+                  </p:tgtEl>
+                </p:cond>
+              </p:nextCondLst>
+            </p:seq>
+          </p:childTnLst>
+        </p:cTn>
+      </p:par>
+    </p:tnLst>
+  </p:timing>
 </p:sld>
 </file>
 
@@ -7281,7 +9560,7 @@
           <p:cNvPr id="2" name="Title 1">
             <a:extLst>
               <a:ext uri="{FF2B5EF4-FFF2-40B4-BE49-F238E27FC236}">
-                <a16:creationId xmlns:a16="http://schemas.microsoft.com/office/drawing/2014/main" id="{255B8D6F-B913-014D-9F93-C98D0B718C40}"/>
+                <a16:creationId xmlns:a16="http://schemas.microsoft.com/office/drawing/2014/main" id="{D020A906-841A-AC43-97B0-4E566A5910C4}"/>
               </a:ext>
             </a:extLst>
           </p:cNvPr>
@@ -7299,123 +9578,13 @@
           <a:p>
             <a:r>
               <a:rPr lang="en-US" dirty="0"/>
-              <a:t>Bonus Rules from James</a:t>
-            </a:r>
-          </a:p>
-        </p:txBody>
-      </p:sp>
-      <p:sp>
-        <p:nvSpPr>
-          <p:cNvPr id="3" name="Content Placeholder 2">
-            <a:extLst>
-              <a:ext uri="{FF2B5EF4-FFF2-40B4-BE49-F238E27FC236}">
-                <a16:creationId xmlns:a16="http://schemas.microsoft.com/office/drawing/2014/main" id="{01D9E5E5-D466-B04B-94CE-6853DEBF0E2C}"/>
-              </a:ext>
-            </a:extLst>
-          </p:cNvPr>
-          <p:cNvSpPr>
-            <a:spLocks noGrp="1"/>
-          </p:cNvSpPr>
-          <p:nvPr>
-            <p:ph idx="1"/>
-          </p:nvPr>
-        </p:nvSpPr>
-        <p:spPr/>
-        <p:txBody>
-          <a:bodyPr>
-            <a:normAutofit fontScale="92500" lnSpcReduction="10000"/>
-          </a:bodyPr>
-          <a:lstStyle/>
-          <a:p>
-            <a:r>
-              <a:rPr lang="en-US" dirty="0"/>
-              <a:t>You will never, ever regret putting a date on something</a:t>
-            </a:r>
-          </a:p>
-          <a:p>
-            <a:r>
-              <a:rPr lang="en-US" dirty="0"/>
-              <a:t>A good structure:</a:t>
-            </a:r>
-          </a:p>
-          <a:p>
-            <a:pPr lvl="1"/>
-            <a:r>
-              <a:rPr lang="en-US" dirty="0"/>
-              <a:t>Subject / Date / Project Info</a:t>
-            </a:r>
-          </a:p>
-          <a:p>
-            <a:pPr lvl="1"/>
-            <a:r>
-              <a:rPr lang="en-US" dirty="0"/>
-              <a:t>Your plan for the analysis or code</a:t>
-            </a:r>
-          </a:p>
-          <a:p>
-            <a:pPr lvl="1"/>
-            <a:r>
-              <a:rPr lang="en-US" dirty="0"/>
-              <a:t>How you implemented it</a:t>
-            </a:r>
-          </a:p>
-          <a:p>
-            <a:pPr lvl="1"/>
-            <a:r>
-              <a:rPr lang="en-US" dirty="0"/>
-              <a:t>The results</a:t>
-            </a:r>
-          </a:p>
-          <a:p>
-            <a:pPr lvl="1"/>
-            <a:r>
-              <a:rPr lang="en-US" dirty="0"/>
-              <a:t>Repeat as necessary</a:t>
-            </a:r>
-          </a:p>
-          <a:p>
-            <a:r>
-              <a:rPr lang="en-US" dirty="0"/>
-              <a:t>Helpful to make a “wrap-up” or “summary” version of your notes that is the cohesive version you could give to someone </a:t>
-            </a:r>
-          </a:p>
-          <a:p>
-            <a:r>
-              <a:rPr lang="en-US" dirty="0"/>
-              <a:t>“If I’ve done it </a:t>
-            </a:r>
-            <a:r>
-              <a:rPr lang="en-US" b="1" dirty="0"/>
-              <a:t>once</a:t>
-            </a:r>
-            <a:r>
-              <a:rPr lang="en-US" dirty="0"/>
-              <a:t> I will do it </a:t>
-            </a:r>
-            <a:r>
-              <a:rPr lang="en-US" b="1" dirty="0"/>
-              <a:t>again</a:t>
-            </a:r>
-            <a:r>
-              <a:rPr lang="en-US" dirty="0"/>
-              <a:t>. If I’ve done it </a:t>
-            </a:r>
-            <a:r>
-              <a:rPr lang="en-US" b="1" dirty="0"/>
-              <a:t>3 times </a:t>
-            </a:r>
-            <a:r>
-              <a:rPr lang="en-US" dirty="0"/>
-              <a:t>I will do it </a:t>
-            </a:r>
-            <a:r>
-              <a:rPr lang="en-US" b="1" dirty="0"/>
-              <a:t>100 times</a:t>
-            </a:r>
-            <a:r>
-              <a:rPr lang="en-US" dirty="0"/>
-              <a:t>.”</a:t>
-            </a:r>
+              <a:t>Example from Brittany </a:t>
+            </a:r>
+            <a:r>
+              <a:rPr lang="en-US" dirty="0" err="1"/>
+              <a:t>Lasseigne</a:t>
+            </a:r>
+            <a:endParaRPr lang="en-US" dirty="0"/>
           </a:p>
         </p:txBody>
       </p:sp>
@@ -7424,7 +9593,7 @@
           <p:cNvPr id="4" name="Slide Number Placeholder 3">
             <a:extLst>
               <a:ext uri="{FF2B5EF4-FFF2-40B4-BE49-F238E27FC236}">
-                <a16:creationId xmlns:a16="http://schemas.microsoft.com/office/drawing/2014/main" id="{3DD4BC77-8FEF-EA40-85C8-173AE3E53BDC}"/>
+                <a16:creationId xmlns:a16="http://schemas.microsoft.com/office/drawing/2014/main" id="{21C5552E-78B1-BE4F-A8E7-76E241E8CF59}"/>
               </a:ext>
             </a:extLst>
           </p:cNvPr>
@@ -7448,10 +9617,46 @@
           </a:p>
         </p:txBody>
       </p:sp>
+      <p:pic>
+        <p:nvPicPr>
+          <p:cNvPr id="5" name="Picture 4">
+            <a:extLst>
+              <a:ext uri="{FF2B5EF4-FFF2-40B4-BE49-F238E27FC236}">
+                <a16:creationId xmlns:a16="http://schemas.microsoft.com/office/drawing/2014/main" id="{BD2D033B-F757-6D46-B166-4F12D03BF67A}"/>
+              </a:ext>
+            </a:extLst>
+          </p:cNvPr>
+          <p:cNvPicPr>
+            <a:picLocks noChangeAspect="1"/>
+          </p:cNvPicPr>
+          <p:nvPr/>
+        </p:nvPicPr>
+        <p:blipFill>
+          <a:blip r:embed="rId2" cstate="screen">
+            <a:extLst>
+              <a:ext uri="{28A0092B-C50C-407E-A947-70E740481C1C}">
+                <a14:useLocalDpi xmlns:a14="http://schemas.microsoft.com/office/drawing/2010/main"/>
+              </a:ext>
+            </a:extLst>
+          </a:blip>
+          <a:stretch>
+            <a:fillRect/>
+          </a:stretch>
+        </p:blipFill>
+        <p:spPr>
+          <a:xfrm>
+            <a:off x="2866166" y="601239"/>
+            <a:ext cx="8336213" cy="6256761"/>
+          </a:xfrm>
+          <a:prstGeom prst="rect">
+            <a:avLst/>
+          </a:prstGeom>
+        </p:spPr>
+      </p:pic>
     </p:spTree>
     <p:extLst>
       <p:ext uri="{BB962C8B-B14F-4D97-AF65-F5344CB8AC3E}">
-        <p14:creationId xmlns:p14="http://schemas.microsoft.com/office/powerpoint/2010/main" val="1054588250"/>
+        <p14:creationId xmlns:p14="http://schemas.microsoft.com/office/powerpoint/2010/main" val="1267298037"/>
       </p:ext>
     </p:extLst>
   </p:cSld>
